--- a/Batch-12 Online/Self Pace/Curriculum/Lectures/Section 4/Understanding Cloud Computing.pptx
+++ b/Batch-12 Online/Self Pace/Curriculum/Lectures/Section 4/Understanding Cloud Computing.pptx
@@ -5,7 +5,7 @@
     <p:sldMasterId id="2147483720" r:id="rId1"/>
   </p:sldMasterIdLst>
   <p:notesMasterIdLst>
-    <p:notesMasterId r:id="rId24"/>
+    <p:notesMasterId r:id="rId23"/>
   </p:notesMasterIdLst>
   <p:sldIdLst>
     <p:sldId id="256" r:id="rId2"/>
@@ -26,10 +26,9 @@
     <p:sldId id="278" r:id="rId17"/>
     <p:sldId id="279" r:id="rId18"/>
     <p:sldId id="280" r:id="rId19"/>
-    <p:sldId id="282" r:id="rId20"/>
-    <p:sldId id="281" r:id="rId21"/>
-    <p:sldId id="284" r:id="rId22"/>
-    <p:sldId id="283" r:id="rId23"/>
+    <p:sldId id="281" r:id="rId20"/>
+    <p:sldId id="284" r:id="rId21"/>
+    <p:sldId id="283" r:id="rId22"/>
   </p:sldIdLst>
   <p:sldSz cx="9144000" cy="6858000" type="screen4x3"/>
   <p:notesSz cx="6858000" cy="9144000"/>
@@ -196,7 +195,7 @@
             </a:lvl1pPr>
           </a:lstStyle>
           <a:p>
-            <a:endParaRPr lang="en-US"/>
+            <a:endParaRPr lang="en-US" dirty="0"/>
           </a:p>
         </p:txBody>
       </p:sp>
@@ -230,9 +229,9 @@
             <a:fld id="{08FC5E1F-D482-47F1-8EF1-8D2A4BECC6A9}" type="datetimeFigureOut">
               <a:rPr lang="en-US" smtClean="0"/>
               <a:pPr/>
-              <a:t>9/12/2023</a:t>
+              <a:t>2/13/2024</a:t>
             </a:fld>
-            <a:endParaRPr lang="en-US"/>
+            <a:endParaRPr lang="en-US" dirty="0"/>
           </a:p>
         </p:txBody>
       </p:sp>
@@ -265,7 +264,7 @@
           <a:bodyPr vert="horz" lIns="91440" tIns="45720" rIns="91440" bIns="45720" rtlCol="0" anchor="ctr"/>
           <a:lstStyle/>
           <a:p>
-            <a:endParaRPr lang="en-US"/>
+            <a:endParaRPr lang="en-US" dirty="0"/>
           </a:p>
         </p:txBody>
       </p:sp>
@@ -357,7 +356,7 @@
             </a:lvl1pPr>
           </a:lstStyle>
           <a:p>
-            <a:endParaRPr lang="en-US"/>
+            <a:endParaRPr lang="en-US" dirty="0"/>
           </a:p>
         </p:txBody>
       </p:sp>
@@ -393,7 +392,7 @@
               <a:pPr/>
               <a:t>‹#›</a:t>
             </a:fld>
-            <a:endParaRPr lang="en-US"/>
+            <a:endParaRPr lang="en-US" dirty="0"/>
           </a:p>
         </p:txBody>
       </p:sp>
@@ -541,7 +540,7 @@
           </a:bodyPr>
           <a:lstStyle/>
           <a:p>
-            <a:endParaRPr lang="en-US"/>
+            <a:endParaRPr lang="en-US" dirty="0"/>
           </a:p>
         </p:txBody>
       </p:sp>
@@ -565,7 +564,7 @@
               <a:pPr/>
               <a:t>1</a:t>
             </a:fld>
-            <a:endParaRPr lang="en-US"/>
+            <a:endParaRPr lang="en-US" dirty="0"/>
           </a:p>
         </p:txBody>
       </p:sp>
@@ -749,9 +748,9 @@
             <a:fld id="{65209A39-6C6C-41E2-9F21-AD18AC686941}" type="datetimeFigureOut">
               <a:rPr lang="en-US" smtClean="0"/>
               <a:pPr/>
-              <a:t>9/12/2023</a:t>
+              <a:t>2/13/2024</a:t>
             </a:fld>
-            <a:endParaRPr lang="en-US"/>
+            <a:endParaRPr lang="en-US" dirty="0"/>
           </a:p>
         </p:txBody>
       </p:sp>
@@ -770,7 +769,7 @@
           <a:bodyPr/>
           <a:lstStyle/>
           <a:p>
-            <a:endParaRPr lang="en-US"/>
+            <a:endParaRPr lang="en-US" dirty="0"/>
           </a:p>
         </p:txBody>
       </p:sp>
@@ -794,7 +793,7 @@
               <a:pPr/>
               <a:t>‹#›</a:t>
             </a:fld>
-            <a:endParaRPr lang="en-US"/>
+            <a:endParaRPr lang="en-US" dirty="0"/>
           </a:p>
         </p:txBody>
       </p:sp>
@@ -915,9 +914,9 @@
             <a:fld id="{65209A39-6C6C-41E2-9F21-AD18AC686941}" type="datetimeFigureOut">
               <a:rPr lang="en-US" smtClean="0"/>
               <a:pPr/>
-              <a:t>9/12/2023</a:t>
+              <a:t>2/13/2024</a:t>
             </a:fld>
-            <a:endParaRPr lang="en-US"/>
+            <a:endParaRPr lang="en-US" dirty="0"/>
           </a:p>
         </p:txBody>
       </p:sp>
@@ -936,7 +935,7 @@
           <a:bodyPr/>
           <a:lstStyle/>
           <a:p>
-            <a:endParaRPr lang="en-US"/>
+            <a:endParaRPr lang="en-US" dirty="0"/>
           </a:p>
         </p:txBody>
       </p:sp>
@@ -960,7 +959,7 @@
               <a:pPr/>
               <a:t>‹#›</a:t>
             </a:fld>
-            <a:endParaRPr lang="en-US"/>
+            <a:endParaRPr lang="en-US" dirty="0"/>
           </a:p>
         </p:txBody>
       </p:sp>
@@ -1091,9 +1090,9 @@
             <a:fld id="{65209A39-6C6C-41E2-9F21-AD18AC686941}" type="datetimeFigureOut">
               <a:rPr lang="en-US" smtClean="0"/>
               <a:pPr/>
-              <a:t>9/12/2023</a:t>
+              <a:t>2/13/2024</a:t>
             </a:fld>
-            <a:endParaRPr lang="en-US"/>
+            <a:endParaRPr lang="en-US" dirty="0"/>
           </a:p>
         </p:txBody>
       </p:sp>
@@ -1112,7 +1111,7 @@
           <a:bodyPr/>
           <a:lstStyle/>
           <a:p>
-            <a:endParaRPr lang="en-US"/>
+            <a:endParaRPr lang="en-US" dirty="0"/>
           </a:p>
         </p:txBody>
       </p:sp>
@@ -1136,7 +1135,7 @@
               <a:pPr/>
               <a:t>‹#›</a:t>
             </a:fld>
-            <a:endParaRPr lang="en-US"/>
+            <a:endParaRPr lang="en-US" dirty="0"/>
           </a:p>
         </p:txBody>
       </p:sp>
@@ -1257,9 +1256,9 @@
             <a:fld id="{65209A39-6C6C-41E2-9F21-AD18AC686941}" type="datetimeFigureOut">
               <a:rPr lang="en-US" smtClean="0"/>
               <a:pPr/>
-              <a:t>9/12/2023</a:t>
+              <a:t>2/13/2024</a:t>
             </a:fld>
-            <a:endParaRPr lang="en-US"/>
+            <a:endParaRPr lang="en-US" dirty="0"/>
           </a:p>
         </p:txBody>
       </p:sp>
@@ -1278,7 +1277,7 @@
           <a:bodyPr/>
           <a:lstStyle/>
           <a:p>
-            <a:endParaRPr lang="en-US"/>
+            <a:endParaRPr lang="en-US" dirty="0"/>
           </a:p>
         </p:txBody>
       </p:sp>
@@ -1302,7 +1301,7 @@
               <a:pPr/>
               <a:t>‹#›</a:t>
             </a:fld>
-            <a:endParaRPr lang="en-US"/>
+            <a:endParaRPr lang="en-US" dirty="0"/>
           </a:p>
         </p:txBody>
       </p:sp>
@@ -1500,9 +1499,9 @@
             <a:fld id="{65209A39-6C6C-41E2-9F21-AD18AC686941}" type="datetimeFigureOut">
               <a:rPr lang="en-US" smtClean="0"/>
               <a:pPr/>
-              <a:t>9/12/2023</a:t>
+              <a:t>2/13/2024</a:t>
             </a:fld>
-            <a:endParaRPr lang="en-US"/>
+            <a:endParaRPr lang="en-US" dirty="0"/>
           </a:p>
         </p:txBody>
       </p:sp>
@@ -1521,7 +1520,7 @@
           <a:bodyPr/>
           <a:lstStyle/>
           <a:p>
-            <a:endParaRPr lang="en-US"/>
+            <a:endParaRPr lang="en-US" dirty="0"/>
           </a:p>
         </p:txBody>
       </p:sp>
@@ -1545,7 +1544,7 @@
               <a:pPr/>
               <a:t>‹#›</a:t>
             </a:fld>
-            <a:endParaRPr lang="en-US"/>
+            <a:endParaRPr lang="en-US" dirty="0"/>
           </a:p>
         </p:txBody>
       </p:sp>
@@ -1765,9 +1764,9 @@
             <a:fld id="{65209A39-6C6C-41E2-9F21-AD18AC686941}" type="datetimeFigureOut">
               <a:rPr lang="en-US" smtClean="0"/>
               <a:pPr/>
-              <a:t>9/12/2023</a:t>
+              <a:t>2/13/2024</a:t>
             </a:fld>
-            <a:endParaRPr lang="en-US"/>
+            <a:endParaRPr lang="en-US" dirty="0"/>
           </a:p>
         </p:txBody>
       </p:sp>
@@ -1786,7 +1785,7 @@
           <a:bodyPr/>
           <a:lstStyle/>
           <a:p>
-            <a:endParaRPr lang="en-US"/>
+            <a:endParaRPr lang="en-US" dirty="0"/>
           </a:p>
         </p:txBody>
       </p:sp>
@@ -1810,7 +1809,7 @@
               <a:pPr/>
               <a:t>‹#›</a:t>
             </a:fld>
-            <a:endParaRPr lang="en-US"/>
+            <a:endParaRPr lang="en-US" dirty="0"/>
           </a:p>
         </p:txBody>
       </p:sp>
@@ -2144,9 +2143,9 @@
             <a:fld id="{65209A39-6C6C-41E2-9F21-AD18AC686941}" type="datetimeFigureOut">
               <a:rPr lang="en-US" smtClean="0"/>
               <a:pPr/>
-              <a:t>9/12/2023</a:t>
+              <a:t>2/13/2024</a:t>
             </a:fld>
-            <a:endParaRPr lang="en-US"/>
+            <a:endParaRPr lang="en-US" dirty="0"/>
           </a:p>
         </p:txBody>
       </p:sp>
@@ -2165,7 +2164,7 @@
           <a:bodyPr/>
           <a:lstStyle/>
           <a:p>
-            <a:endParaRPr lang="en-US"/>
+            <a:endParaRPr lang="en-US" dirty="0"/>
           </a:p>
         </p:txBody>
       </p:sp>
@@ -2189,7 +2188,7 @@
               <a:pPr/>
               <a:t>‹#›</a:t>
             </a:fld>
-            <a:endParaRPr lang="en-US"/>
+            <a:endParaRPr lang="en-US" dirty="0"/>
           </a:p>
         </p:txBody>
       </p:sp>
@@ -2295,9 +2294,9 @@
             <a:fld id="{65209A39-6C6C-41E2-9F21-AD18AC686941}" type="datetimeFigureOut">
               <a:rPr lang="en-US" smtClean="0"/>
               <a:pPr/>
-              <a:t>9/12/2023</a:t>
+              <a:t>2/13/2024</a:t>
             </a:fld>
-            <a:endParaRPr lang="en-US"/>
+            <a:endParaRPr lang="en-US" dirty="0"/>
           </a:p>
         </p:txBody>
       </p:sp>
@@ -2316,7 +2315,7 @@
           <a:bodyPr/>
           <a:lstStyle/>
           <a:p>
-            <a:endParaRPr lang="en-US"/>
+            <a:endParaRPr lang="en-US" dirty="0"/>
           </a:p>
         </p:txBody>
       </p:sp>
@@ -2340,7 +2339,7 @@
               <a:pPr/>
               <a:t>‹#›</a:t>
             </a:fld>
-            <a:endParaRPr lang="en-US"/>
+            <a:endParaRPr lang="en-US" dirty="0"/>
           </a:p>
         </p:txBody>
       </p:sp>
@@ -2387,9 +2386,9 @@
             <a:fld id="{65209A39-6C6C-41E2-9F21-AD18AC686941}" type="datetimeFigureOut">
               <a:rPr lang="en-US" smtClean="0"/>
               <a:pPr/>
-              <a:t>9/12/2023</a:t>
+              <a:t>2/13/2024</a:t>
             </a:fld>
-            <a:endParaRPr lang="en-US"/>
+            <a:endParaRPr lang="en-US" dirty="0"/>
           </a:p>
         </p:txBody>
       </p:sp>
@@ -2408,7 +2407,7 @@
           <a:bodyPr/>
           <a:lstStyle/>
           <a:p>
-            <a:endParaRPr lang="en-US"/>
+            <a:endParaRPr lang="en-US" dirty="0"/>
           </a:p>
         </p:txBody>
       </p:sp>
@@ -2432,7 +2431,7 @@
               <a:pPr/>
               <a:t>‹#›</a:t>
             </a:fld>
-            <a:endParaRPr lang="en-US"/>
+            <a:endParaRPr lang="en-US" dirty="0"/>
           </a:p>
         </p:txBody>
       </p:sp>
@@ -2649,9 +2648,9 @@
             <a:fld id="{65209A39-6C6C-41E2-9F21-AD18AC686941}" type="datetimeFigureOut">
               <a:rPr lang="en-US" smtClean="0"/>
               <a:pPr/>
-              <a:t>9/12/2023</a:t>
+              <a:t>2/13/2024</a:t>
             </a:fld>
-            <a:endParaRPr lang="en-US"/>
+            <a:endParaRPr lang="en-US" dirty="0"/>
           </a:p>
         </p:txBody>
       </p:sp>
@@ -2670,7 +2669,7 @@
           <a:bodyPr/>
           <a:lstStyle/>
           <a:p>
-            <a:endParaRPr lang="en-US"/>
+            <a:endParaRPr lang="en-US" dirty="0"/>
           </a:p>
         </p:txBody>
       </p:sp>
@@ -2694,7 +2693,7 @@
               <a:pPr/>
               <a:t>‹#›</a:t>
             </a:fld>
-            <a:endParaRPr lang="en-US"/>
+            <a:endParaRPr lang="en-US" dirty="0"/>
           </a:p>
         </p:txBody>
       </p:sp>
@@ -2776,7 +2775,7 @@
           <a:lstStyle/>
           <a:p>
             <a:pPr algn="ctr" eaLnBrk="1" latinLnBrk="0" hangingPunct="1"/>
-            <a:endParaRPr kumimoji="0" lang="en-US"/>
+            <a:endParaRPr kumimoji="0" lang="en-US" dirty="0"/>
           </a:p>
         </p:txBody>
       </p:sp>
@@ -2831,7 +2830,7 @@
           <a:lstStyle/>
           <a:p>
             <a:pPr algn="ctr" eaLnBrk="1" latinLnBrk="0" hangingPunct="1"/>
-            <a:endParaRPr kumimoji="0" lang="en-US"/>
+            <a:endParaRPr kumimoji="0" lang="en-US" dirty="0"/>
           </a:p>
         </p:txBody>
       </p:sp>
@@ -2938,9 +2937,9 @@
             <a:fld id="{65209A39-6C6C-41E2-9F21-AD18AC686941}" type="datetimeFigureOut">
               <a:rPr lang="en-US" smtClean="0"/>
               <a:pPr/>
-              <a:t>9/12/2023</a:t>
+              <a:t>2/13/2024</a:t>
             </a:fld>
-            <a:endParaRPr lang="en-US"/>
+            <a:endParaRPr lang="en-US" dirty="0"/>
           </a:p>
         </p:txBody>
       </p:sp>
@@ -2959,7 +2958,7 @@
           <a:bodyPr/>
           <a:lstStyle/>
           <a:p>
-            <a:endParaRPr lang="en-US"/>
+            <a:endParaRPr lang="en-US" dirty="0"/>
           </a:p>
         </p:txBody>
       </p:sp>
@@ -2988,7 +2987,7 @@
               <a:pPr/>
               <a:t>‹#›</a:t>
             </a:fld>
-            <a:endParaRPr lang="en-US"/>
+            <a:endParaRPr lang="en-US" dirty="0"/>
           </a:p>
         </p:txBody>
       </p:sp>
@@ -3031,10 +3030,9 @@
           </a:lstStyle>
           <a:p>
             <a:r>
-              <a:rPr kumimoji="0" lang="en-US"/>
+              <a:rPr kumimoji="0" lang="en-US" dirty="0"/>
               <a:t>Click icon to add picture</a:t>
             </a:r>
-            <a:endParaRPr kumimoji="0" lang="en-US" dirty="0"/>
           </a:p>
         </p:txBody>
       </p:sp>
@@ -3170,7 +3168,7 @@
           <a:lstStyle/>
           <a:p>
             <a:pPr marL="0" algn="l" rtl="0" eaLnBrk="1" latinLnBrk="0" hangingPunct="1"/>
-            <a:endParaRPr kumimoji="0" lang="en-US">
+            <a:endParaRPr kumimoji="0" lang="en-US" dirty="0">
               <a:solidFill>
                 <a:schemeClr val="tx1"/>
               </a:solidFill>
@@ -3283,7 +3281,7 @@
           <a:lstStyle/>
           <a:p>
             <a:pPr marL="0" algn="l" rtl="0" eaLnBrk="1" latinLnBrk="0" hangingPunct="1"/>
-            <a:endParaRPr kumimoji="0" lang="en-US">
+            <a:endParaRPr kumimoji="0" lang="en-US" dirty="0">
               <a:solidFill>
                 <a:schemeClr val="tx1"/>
               </a:solidFill>
@@ -3456,7 +3454,7 @@
           <a:lstStyle/>
           <a:p>
             <a:pPr marL="0" algn="l" rtl="0" eaLnBrk="1" latinLnBrk="0" hangingPunct="1"/>
-            <a:endParaRPr kumimoji="0" lang="en-US">
+            <a:endParaRPr kumimoji="0" lang="en-US" dirty="0">
               <a:solidFill>
                 <a:schemeClr val="tx1"/>
               </a:solidFill>
@@ -3569,7 +3567,7 @@
           <a:lstStyle/>
           <a:p>
             <a:pPr marL="0" algn="l" rtl="0" eaLnBrk="1" latinLnBrk="0" hangingPunct="1"/>
-            <a:endParaRPr kumimoji="0" lang="en-US">
+            <a:endParaRPr kumimoji="0" lang="en-US" dirty="0">
               <a:solidFill>
                 <a:schemeClr val="tx1"/>
               </a:solidFill>
@@ -3709,9 +3707,9 @@
             <a:fld id="{65209A39-6C6C-41E2-9F21-AD18AC686941}" type="datetimeFigureOut">
               <a:rPr lang="en-US" smtClean="0"/>
               <a:pPr/>
-              <a:t>9/12/2023</a:t>
+              <a:t>2/13/2024</a:t>
             </a:fld>
-            <a:endParaRPr lang="en-US"/>
+            <a:endParaRPr lang="en-US" dirty="0"/>
           </a:p>
         </p:txBody>
       </p:sp>
@@ -3748,7 +3746,7 @@
             </a:lvl1pPr>
           </a:lstStyle>
           <a:p>
-            <a:endParaRPr lang="en-US"/>
+            <a:endParaRPr lang="en-US" dirty="0"/>
           </a:p>
         </p:txBody>
       </p:sp>
@@ -3790,7 +3788,7 @@
               <a:pPr/>
               <a:t>‹#›</a:t>
             </a:fld>
-            <a:endParaRPr lang="en-US"/>
+            <a:endParaRPr lang="en-US" dirty="0"/>
           </a:p>
         </p:txBody>
       </p:sp>
@@ -3906,7 +3904,7 @@
             <a:bodyPr vert="horz" wrap="square" lIns="91440" tIns="45720" rIns="91440" bIns="45720" anchor="t" compatLnSpc="1"/>
             <a:lstStyle/>
             <a:p>
-              <a:endParaRPr kumimoji="0" lang="en-US"/>
+              <a:endParaRPr kumimoji="0" lang="en-US" dirty="0"/>
             </a:p>
           </p:txBody>
         </p:sp>
@@ -4003,7 +4001,7 @@
             <a:bodyPr vert="horz" wrap="square" lIns="91440" tIns="45720" rIns="91440" bIns="45720" anchor="t" compatLnSpc="1"/>
             <a:lstStyle/>
             <a:p>
-              <a:endParaRPr kumimoji="0" lang="en-US"/>
+              <a:endParaRPr kumimoji="0" lang="en-US" dirty="0"/>
             </a:p>
           </p:txBody>
         </p:sp>
@@ -4062,7 +4060,7 @@
           <a:lstStyle/>
           <a:p>
             <a:pPr algn="ctr"/>
-            <a:endParaRPr lang="en-US"/>
+            <a:endParaRPr lang="en-US" dirty="0"/>
           </a:p>
         </p:txBody>
       </p:sp>
@@ -5467,7 +5465,7 @@
           </a:bodyPr>
           <a:lstStyle/>
           <a:p>
-            <a:pPr>
+            <a:pPr algn="ctr">
               <a:lnSpc>
                 <a:spcPct val="150000"/>
               </a:lnSpc>
@@ -5506,10 +5504,32 @@
             </a:pPr>
             <a:r>
               <a:rPr lang="en-US" b="1" i="0" dirty="0">
+                <a:solidFill>
+                  <a:srgbClr val="374151"/>
+                </a:solidFill>
                 <a:effectLst/>
                 <a:latin typeface="Söhne"/>
               </a:rPr>
-              <a:t>Collaboration:</a:t>
+              <a:t>Downtime and Service Outages:</a:t>
+            </a:r>
+            <a:endParaRPr lang="en-US" b="0" i="0" dirty="0">
+              <a:solidFill>
+                <a:srgbClr val="374151"/>
+              </a:solidFill>
+              <a:effectLst/>
+              <a:latin typeface="Söhne"/>
+            </a:endParaRPr>
+          </a:p>
+          <a:p>
+            <a:r>
+              <a:rPr lang="en-US" b="1" i="0" dirty="0">
+                <a:solidFill>
+                  <a:srgbClr val="374151"/>
+                </a:solidFill>
+                <a:effectLst/>
+                <a:latin typeface="Söhne"/>
+              </a:rPr>
+              <a:t>Reliance on Service Providers: </a:t>
             </a:r>
             <a:r>
               <a:rPr lang="en-US" b="0" i="0" dirty="0">
@@ -5519,7 +5539,7 @@
                 <a:effectLst/>
                 <a:latin typeface="Söhne"/>
               </a:rPr>
-              <a:t> Cloud-based collaboration tools and platforms facilitate teamwork and communication among remote teams and individuals, enhancing collaboration and productivity.</a:t>
+              <a:t>Organizations depend on cloud service providers for service availability. Service outages or downtime on the provider's end can disrupt operations.</a:t>
             </a:r>
           </a:p>
         </p:txBody>
@@ -5527,7 +5547,7 @@
     </p:spTree>
     <p:extLst>
       <p:ext uri="{BB962C8B-B14F-4D97-AF65-F5344CB8AC3E}">
-        <p14:creationId xmlns:p14="http://schemas.microsoft.com/office/powerpoint/2010/main" val="3110893934"/>
+        <p14:creationId xmlns:p14="http://schemas.microsoft.com/office/powerpoint/2010/main" val="88799633"/>
       </p:ext>
     </p:extLst>
   </p:cSld>
@@ -5728,7 +5748,7 @@
         </p:spPr>
         <p:txBody>
           <a:bodyPr>
-            <a:normAutofit/>
+            <a:normAutofit lnSpcReduction="10000"/>
           </a:bodyPr>
           <a:lstStyle/>
           <a:p>
@@ -5743,7 +5763,7 @@
                 <a:effectLst/>
                 <a:latin typeface="Söhne"/>
               </a:rPr>
-              <a:t>Downtime and Service Outages:</a:t>
+              <a:t>Data Security and Privacy Concerns:</a:t>
             </a:r>
             <a:endParaRPr lang="en-US" b="0" i="0" dirty="0">
               <a:solidFill>
@@ -5762,7 +5782,7 @@
                 <a:effectLst/>
                 <a:latin typeface="Söhne"/>
               </a:rPr>
-              <a:t>Reliance on Service Providers: </a:t>
+              <a:t>Data Exposure: </a:t>
             </a:r>
             <a:r>
               <a:rPr lang="en-US" b="0" i="0" dirty="0">
@@ -5772,7 +5792,29 @@
                 <a:effectLst/>
                 <a:latin typeface="Söhne"/>
               </a:rPr>
-              <a:t>Organizations depend on cloud service providers for service availability. Service outages or downtime on the provider's end can disrupt operations.</a:t>
+              <a:t>Storing sensitive data in the cloud raises concerns about data exposure and unauthorized access, especially if security measures are not properly implemented.</a:t>
+            </a:r>
+          </a:p>
+          <a:p>
+            <a:r>
+              <a:rPr lang="en-US" b="1" i="0" dirty="0">
+                <a:solidFill>
+                  <a:srgbClr val="374151"/>
+                </a:solidFill>
+                <a:effectLst/>
+                <a:latin typeface="Söhne"/>
+              </a:rPr>
+              <a:t>Compliance Challenges: </a:t>
+            </a:r>
+            <a:r>
+              <a:rPr lang="en-US" b="0" i="0" dirty="0">
+                <a:solidFill>
+                  <a:srgbClr val="374151"/>
+                </a:solidFill>
+                <a:effectLst/>
+                <a:latin typeface="Söhne"/>
+              </a:rPr>
+              <a:t>Meeting specific regulatory and compliance requirements, such as GDPR or HIPAA, can be complex and may require additional security measures.</a:t>
             </a:r>
           </a:p>
         </p:txBody>
@@ -5780,7 +5822,7 @@
     </p:spTree>
     <p:extLst>
       <p:ext uri="{BB962C8B-B14F-4D97-AF65-F5344CB8AC3E}">
-        <p14:creationId xmlns:p14="http://schemas.microsoft.com/office/powerpoint/2010/main" val="88799633"/>
+        <p14:creationId xmlns:p14="http://schemas.microsoft.com/office/powerpoint/2010/main" val="4286835916"/>
       </p:ext>
     </p:extLst>
   </p:cSld>
@@ -5807,193 +5849,6 @@
           <a:chExt cx="0" cy="0"/>
         </a:xfrm>
       </p:grpSpPr>
-      <p:sp>
-        <p:nvSpPr>
-          <p:cNvPr id="2" name="Title 1"/>
-          <p:cNvSpPr>
-            <a:spLocks noGrp="1"/>
-          </p:cNvSpPr>
-          <p:nvPr>
-            <p:ph type="title"/>
-          </p:nvPr>
-        </p:nvSpPr>
-        <p:spPr>
-          <a:xfrm>
-            <a:off x="457200" y="914400"/>
-            <a:ext cx="8534400" cy="685800"/>
-          </a:xfrm>
-        </p:spPr>
-        <p:txBody>
-          <a:bodyPr>
-            <a:noAutofit/>
-          </a:bodyPr>
-          <a:lstStyle/>
-          <a:p>
-            <a:pPr algn="ctr">
-              <a:lnSpc>
-                <a:spcPct val="150000"/>
-              </a:lnSpc>
-            </a:pPr>
-            <a:r>
-              <a:rPr lang="en-US" sz="3200" b="1" dirty="0"/>
-              <a:t>What are the disadvantages of Cloud Computing?</a:t>
-            </a:r>
-          </a:p>
-        </p:txBody>
-      </p:sp>
-      <p:sp>
-        <p:nvSpPr>
-          <p:cNvPr id="3" name="Content Placeholder 2"/>
-          <p:cNvSpPr>
-            <a:spLocks noGrp="1"/>
-          </p:cNvSpPr>
-          <p:nvPr>
-            <p:ph idx="1"/>
-          </p:nvPr>
-        </p:nvSpPr>
-        <p:spPr>
-          <a:xfrm>
-            <a:off x="152400" y="2697480"/>
-            <a:ext cx="8534400" cy="3246120"/>
-          </a:xfrm>
-        </p:spPr>
-        <p:txBody>
-          <a:bodyPr>
-            <a:normAutofit lnSpcReduction="10000"/>
-          </a:bodyPr>
-          <a:lstStyle/>
-          <a:p>
-            <a:pPr marL="0" indent="0" algn="l">
-              <a:buNone/>
-            </a:pPr>
-            <a:r>
-              <a:rPr lang="en-US" b="1" i="0" dirty="0">
-                <a:solidFill>
-                  <a:srgbClr val="374151"/>
-                </a:solidFill>
-                <a:effectLst/>
-                <a:latin typeface="Söhne"/>
-              </a:rPr>
-              <a:t>Data Security and Privacy Concerns:</a:t>
-            </a:r>
-            <a:endParaRPr lang="en-US" b="0" i="0" dirty="0">
-              <a:solidFill>
-                <a:srgbClr val="374151"/>
-              </a:solidFill>
-              <a:effectLst/>
-              <a:latin typeface="Söhne"/>
-            </a:endParaRPr>
-          </a:p>
-          <a:p>
-            <a:r>
-              <a:rPr lang="en-US" b="1" i="0" dirty="0">
-                <a:solidFill>
-                  <a:srgbClr val="374151"/>
-                </a:solidFill>
-                <a:effectLst/>
-                <a:latin typeface="Söhne"/>
-              </a:rPr>
-              <a:t>Data Exposure: </a:t>
-            </a:r>
-            <a:r>
-              <a:rPr lang="en-US" b="0" i="0" dirty="0">
-                <a:solidFill>
-                  <a:srgbClr val="374151"/>
-                </a:solidFill>
-                <a:effectLst/>
-                <a:latin typeface="Söhne"/>
-              </a:rPr>
-              <a:t>Storing sensitive data in the cloud raises concerns about data exposure and unauthorized access, especially if security measures are not properly implemented.</a:t>
-            </a:r>
-          </a:p>
-          <a:p>
-            <a:r>
-              <a:rPr lang="en-US" b="1" i="0" dirty="0">
-                <a:solidFill>
-                  <a:srgbClr val="374151"/>
-                </a:solidFill>
-                <a:effectLst/>
-                <a:latin typeface="Söhne"/>
-              </a:rPr>
-              <a:t>Compliance Challenges: </a:t>
-            </a:r>
-            <a:r>
-              <a:rPr lang="en-US" b="0" i="0" dirty="0">
-                <a:solidFill>
-                  <a:srgbClr val="374151"/>
-                </a:solidFill>
-                <a:effectLst/>
-                <a:latin typeface="Söhne"/>
-              </a:rPr>
-              <a:t>Meeting specific regulatory and compliance requirements, such as GDPR or HIPAA, can be complex and may require additional security measures.</a:t>
-            </a:r>
-          </a:p>
-        </p:txBody>
-      </p:sp>
-    </p:spTree>
-    <p:extLst>
-      <p:ext uri="{BB962C8B-B14F-4D97-AF65-F5344CB8AC3E}">
-        <p14:creationId xmlns:p14="http://schemas.microsoft.com/office/powerpoint/2010/main" val="4286835916"/>
-      </p:ext>
-    </p:extLst>
-  </p:cSld>
-  <p:clrMapOvr>
-    <a:masterClrMapping/>
-  </p:clrMapOvr>
-</p:sld>
-</file>
-
-<file path=ppt/slides/slide22.xml><?xml version="1.0" encoding="utf-8"?>
-<p:sld xmlns:a="http://schemas.openxmlformats.org/drawingml/2006/main" xmlns:r="http://schemas.openxmlformats.org/officeDocument/2006/relationships" xmlns:p="http://schemas.openxmlformats.org/presentationml/2006/main">
-  <p:cSld>
-    <p:spTree>
-      <p:nvGrpSpPr>
-        <p:cNvPr id="1" name=""/>
-        <p:cNvGrpSpPr/>
-        <p:nvPr/>
-      </p:nvGrpSpPr>
-      <p:grpSpPr>
-        <a:xfrm>
-          <a:off x="0" y="0"/>
-          <a:ext cx="0" cy="0"/>
-          <a:chOff x="0" y="0"/>
-          <a:chExt cx="0" cy="0"/>
-        </a:xfrm>
-      </p:grpSpPr>
-      <p:sp>
-        <p:nvSpPr>
-          <p:cNvPr id="2" name="Title 1"/>
-          <p:cNvSpPr>
-            <a:spLocks noGrp="1"/>
-          </p:cNvSpPr>
-          <p:nvPr>
-            <p:ph type="title"/>
-          </p:nvPr>
-        </p:nvSpPr>
-        <p:spPr>
-          <a:xfrm>
-            <a:off x="457200" y="914400"/>
-            <a:ext cx="8534400" cy="685800"/>
-          </a:xfrm>
-        </p:spPr>
-        <p:txBody>
-          <a:bodyPr>
-            <a:noAutofit/>
-          </a:bodyPr>
-          <a:lstStyle/>
-          <a:p>
-            <a:pPr algn="ctr">
-              <a:lnSpc>
-                <a:spcPct val="150000"/>
-              </a:lnSpc>
-            </a:pPr>
-            <a:r>
-              <a:rPr lang="en-US" sz="3200" b="1" dirty="0"/>
-              <a:t>Conclusion</a:t>
-            </a:r>
-          </a:p>
-        </p:txBody>
-      </p:sp>
       <p:sp>
         <p:nvSpPr>
           <p:cNvPr id="3" name="Content Placeholder 2"/>
@@ -6269,11 +6124,11 @@
   <p:clrMapOvr>
     <a:masterClrMapping/>
   </p:clrMapOvr>
-  <mc:AlternateContent xmlns:mc="http://schemas.openxmlformats.org/markup-compatibility/2006">
-    <mc:Choice xmlns:p14="http://schemas.microsoft.com/office/powerpoint/2010/main" Requires="p14">
+  <mc:AlternateContent xmlns:mc="http://schemas.openxmlformats.org/markup-compatibility/2006" xmlns:p14="http://schemas.microsoft.com/office/powerpoint/2010/main">
+    <mc:Choice Requires="p14">
       <p:transition spd="slow" p14:dur="2000" advTm="13725"/>
     </mc:Choice>
-    <mc:Fallback>
+    <mc:Fallback xmlns="">
       <p:transition spd="slow" advTm="13725"/>
     </mc:Fallback>
   </mc:AlternateContent>
